--- a/Documents/Presentations/Sprint 3.pptx
+++ b/Documents/Presentations/Sprint 3.pptx
@@ -2813,7 +2813,7 @@
           <a:p>
             <a:fld id="{941FF5B8-ADB4-407F-8320-DC3E7A021C76}" type="datetimeFigureOut">
               <a:rPr lang="en-US" smtClean="0"/>
-              <a:t>5/12/2024</a:t>
+              <a:t>5/16/2024</a:t>
             </a:fld>
             <a:endParaRPr lang="en-US"/>
           </a:p>
@@ -3011,7 +3011,7 @@
           <a:p>
             <a:fld id="{941FF5B8-ADB4-407F-8320-DC3E7A021C76}" type="datetimeFigureOut">
               <a:rPr lang="en-US" smtClean="0"/>
-              <a:t>5/12/2024</a:t>
+              <a:t>5/16/2024</a:t>
             </a:fld>
             <a:endParaRPr lang="en-US"/>
           </a:p>
@@ -3219,7 +3219,7 @@
           <a:p>
             <a:fld id="{941FF5B8-ADB4-407F-8320-DC3E7A021C76}" type="datetimeFigureOut">
               <a:rPr lang="en-US" smtClean="0"/>
-              <a:t>5/12/2024</a:t>
+              <a:t>5/16/2024</a:t>
             </a:fld>
             <a:endParaRPr lang="en-US"/>
           </a:p>
@@ -3417,7 +3417,7 @@
           <a:p>
             <a:fld id="{941FF5B8-ADB4-407F-8320-DC3E7A021C76}" type="datetimeFigureOut">
               <a:rPr lang="en-US" smtClean="0"/>
-              <a:t>5/12/2024</a:t>
+              <a:t>5/16/2024</a:t>
             </a:fld>
             <a:endParaRPr lang="en-US"/>
           </a:p>
@@ -3692,7 +3692,7 @@
           <a:p>
             <a:fld id="{941FF5B8-ADB4-407F-8320-DC3E7A021C76}" type="datetimeFigureOut">
               <a:rPr lang="en-US" smtClean="0"/>
-              <a:t>5/12/2024</a:t>
+              <a:t>5/16/2024</a:t>
             </a:fld>
             <a:endParaRPr lang="en-US"/>
           </a:p>
@@ -3957,7 +3957,7 @@
           <a:p>
             <a:fld id="{941FF5B8-ADB4-407F-8320-DC3E7A021C76}" type="datetimeFigureOut">
               <a:rPr lang="en-US" smtClean="0"/>
-              <a:t>5/12/2024</a:t>
+              <a:t>5/16/2024</a:t>
             </a:fld>
             <a:endParaRPr lang="en-US"/>
           </a:p>
@@ -4369,7 +4369,7 @@
           <a:p>
             <a:fld id="{941FF5B8-ADB4-407F-8320-DC3E7A021C76}" type="datetimeFigureOut">
               <a:rPr lang="en-US" smtClean="0"/>
-              <a:t>5/12/2024</a:t>
+              <a:t>5/16/2024</a:t>
             </a:fld>
             <a:endParaRPr lang="en-US"/>
           </a:p>
@@ -4510,7 +4510,7 @@
           <a:p>
             <a:fld id="{941FF5B8-ADB4-407F-8320-DC3E7A021C76}" type="datetimeFigureOut">
               <a:rPr lang="en-US" smtClean="0"/>
-              <a:t>5/12/2024</a:t>
+              <a:t>5/16/2024</a:t>
             </a:fld>
             <a:endParaRPr lang="en-US"/>
           </a:p>
@@ -4623,7 +4623,7 @@
           <a:p>
             <a:fld id="{941FF5B8-ADB4-407F-8320-DC3E7A021C76}" type="datetimeFigureOut">
               <a:rPr lang="en-US" smtClean="0"/>
-              <a:t>5/12/2024</a:t>
+              <a:t>5/16/2024</a:t>
             </a:fld>
             <a:endParaRPr lang="en-US"/>
           </a:p>
@@ -4934,7 +4934,7 @@
           <a:p>
             <a:fld id="{941FF5B8-ADB4-407F-8320-DC3E7A021C76}" type="datetimeFigureOut">
               <a:rPr lang="en-US" smtClean="0"/>
-              <a:t>5/12/2024</a:t>
+              <a:t>5/16/2024</a:t>
             </a:fld>
             <a:endParaRPr lang="en-US"/>
           </a:p>
@@ -5222,7 +5222,7 @@
           <a:p>
             <a:fld id="{941FF5B8-ADB4-407F-8320-DC3E7A021C76}" type="datetimeFigureOut">
               <a:rPr lang="en-US" smtClean="0"/>
-              <a:t>5/12/2024</a:t>
+              <a:t>5/16/2024</a:t>
             </a:fld>
             <a:endParaRPr lang="en-US"/>
           </a:p>
@@ -5463,7 +5463,7 @@
           <a:p>
             <a:fld id="{941FF5B8-ADB4-407F-8320-DC3E7A021C76}" type="datetimeFigureOut">
               <a:rPr lang="en-US" smtClean="0"/>
-              <a:t>5/12/2024</a:t>
+              <a:t>5/16/2024</a:t>
             </a:fld>
             <a:endParaRPr lang="en-US"/>
           </a:p>
@@ -7792,6 +7792,18 @@
             </a:r>
           </a:p>
           <a:p>
+            <a:r>
+              <a:rPr lang="en-US" sz="2000" dirty="0"/>
+              <a:t>Add password hashing</a:t>
+            </a:r>
+          </a:p>
+          <a:p>
+            <a:r>
+              <a:rPr lang="en-US" sz="2000" dirty="0"/>
+              <a:t>Add authorization and authentication</a:t>
+            </a:r>
+          </a:p>
+          <a:p>
             <a:endParaRPr lang="en-US" sz="2000" dirty="0"/>
           </a:p>
           <a:p>
@@ -9777,12 +9789,6 @@
             <a:r>
               <a:rPr lang="en-US" sz="2000" dirty="0"/>
               <a:t>Continue with research document</a:t>
-            </a:r>
-          </a:p>
-          <a:p>
-            <a:r>
-              <a:rPr lang="en-US" sz="2000" dirty="0"/>
-              <a:t>Add authorization and authentication</a:t>
             </a:r>
           </a:p>
         </p:txBody>
